--- a/박병근/WordBook/단어장 컨셉.pptx
+++ b/박병근/WordBook/단어장 컨셉.pptx
@@ -106,6 +106,11 @@
       </a:defRPr>
     </a:lvl9pPr>
   </p:defaultTextStyle>
+  <p:extLst>
+    <p:ext uri="{EFAFB233-063F-42B5-8137-9DF3F51BA10A}">
+      <p15:sldGuideLst xmlns:p15="http://schemas.microsoft.com/office/powerpoint/2012/main"/>
+    </p:ext>
+  </p:extLst>
 </p:presentation>
 </file>
 
@@ -344,7 +349,7 @@
             <a:fld id="{0F65F735-FCAD-4664-BA6C-904B8E0856C1}" type="datetimeFigureOut">
               <a:rPr lang="ko-KR" altLang="en-US" smtClean="0"/>
               <a:pPr/>
-              <a:t>2019-01-08</a:t>
+              <a:t>2019-01-09</a:t>
             </a:fld>
             <a:endParaRPr lang="ko-KR" altLang="en-US"/>
           </a:p>
@@ -557,7 +562,7 @@
           <a:p>
             <a:fld id="{0F65F735-FCAD-4664-BA6C-904B8E0856C1}" type="datetimeFigureOut">
               <a:rPr lang="ko-KR" altLang="en-US" smtClean="0"/>
-              <a:t>2019-01-08</a:t>
+              <a:t>2019-01-09</a:t>
             </a:fld>
             <a:endParaRPr lang="ko-KR" altLang="en-US"/>
           </a:p>
@@ -765,7 +770,7 @@
           <a:p>
             <a:fld id="{0F65F735-FCAD-4664-BA6C-904B8E0856C1}" type="datetimeFigureOut">
               <a:rPr lang="ko-KR" altLang="en-US" smtClean="0"/>
-              <a:t>2019-01-08</a:t>
+              <a:t>2019-01-09</a:t>
             </a:fld>
             <a:endParaRPr lang="ko-KR" altLang="en-US"/>
           </a:p>
@@ -1034,7 +1039,7 @@
           <a:p>
             <a:fld id="{0F65F735-FCAD-4664-BA6C-904B8E0856C1}" type="datetimeFigureOut">
               <a:rPr lang="ko-KR" altLang="en-US" smtClean="0"/>
-              <a:t>2019-01-08</a:t>
+              <a:t>2019-01-09</a:t>
             </a:fld>
             <a:endParaRPr lang="ko-KR" altLang="en-US"/>
           </a:p>
@@ -1380,7 +1385,7 @@
           <a:p>
             <a:fld id="{0F65F735-FCAD-4664-BA6C-904B8E0856C1}" type="datetimeFigureOut">
               <a:rPr lang="ko-KR" altLang="en-US" smtClean="0"/>
-              <a:t>2019-01-08</a:t>
+              <a:t>2019-01-09</a:t>
             </a:fld>
             <a:endParaRPr lang="ko-KR" altLang="en-US"/>
           </a:p>
@@ -1645,7 +1650,7 @@
           <a:p>
             <a:fld id="{0F65F735-FCAD-4664-BA6C-904B8E0856C1}" type="datetimeFigureOut">
               <a:rPr lang="ko-KR" altLang="en-US" smtClean="0"/>
-              <a:t>2019-01-08</a:t>
+              <a:t>2019-01-09</a:t>
             </a:fld>
             <a:endParaRPr lang="ko-KR" altLang="en-US"/>
           </a:p>
@@ -2057,7 +2062,7 @@
           <a:p>
             <a:fld id="{0F65F735-FCAD-4664-BA6C-904B8E0856C1}" type="datetimeFigureOut">
               <a:rPr lang="ko-KR" altLang="en-US" smtClean="0"/>
-              <a:t>2019-01-08</a:t>
+              <a:t>2019-01-09</a:t>
             </a:fld>
             <a:endParaRPr lang="ko-KR" altLang="en-US"/>
           </a:p>
@@ -2198,7 +2203,7 @@
           <a:p>
             <a:fld id="{0F65F735-FCAD-4664-BA6C-904B8E0856C1}" type="datetimeFigureOut">
               <a:rPr lang="ko-KR" altLang="en-US" smtClean="0"/>
-              <a:t>2019-01-08</a:t>
+              <a:t>2019-01-09</a:t>
             </a:fld>
             <a:endParaRPr lang="ko-KR" altLang="en-US"/>
           </a:p>
@@ -2311,7 +2316,7 @@
           <a:p>
             <a:fld id="{0F65F735-FCAD-4664-BA6C-904B8E0856C1}" type="datetimeFigureOut">
               <a:rPr lang="ko-KR" altLang="en-US" smtClean="0"/>
-              <a:t>2019-01-08</a:t>
+              <a:t>2019-01-09</a:t>
             </a:fld>
             <a:endParaRPr lang="ko-KR" altLang="en-US"/>
           </a:p>
@@ -2622,7 +2627,7 @@
           <a:p>
             <a:fld id="{0F65F735-FCAD-4664-BA6C-904B8E0856C1}" type="datetimeFigureOut">
               <a:rPr lang="ko-KR" altLang="en-US" smtClean="0"/>
-              <a:t>2019-01-08</a:t>
+              <a:t>2019-01-09</a:t>
             </a:fld>
             <a:endParaRPr lang="ko-KR" altLang="en-US"/>
           </a:p>
@@ -2910,7 +2915,7 @@
           <a:p>
             <a:fld id="{0F65F735-FCAD-4664-BA6C-904B8E0856C1}" type="datetimeFigureOut">
               <a:rPr lang="ko-KR" altLang="en-US" smtClean="0"/>
-              <a:t>2019-01-08</a:t>
+              <a:t>2019-01-09</a:t>
             </a:fld>
             <a:endParaRPr lang="ko-KR" altLang="en-US"/>
           </a:p>
@@ -3151,7 +3156,7 @@
           <a:p>
             <a:fld id="{0F65F735-FCAD-4664-BA6C-904B8E0856C1}" type="datetimeFigureOut">
               <a:rPr lang="ko-KR" altLang="en-US" smtClean="0"/>
-              <a:t>2019-01-08</a:t>
+              <a:t>2019-01-09</a:t>
             </a:fld>
             <a:endParaRPr lang="ko-KR" altLang="en-US"/>
           </a:p>
@@ -3815,9 +3820,12 @@
               <a:t>167</a:t>
             </a:r>
             <a:r>
-              <a:rPr lang="ko-KR" altLang="en-US"/>
-              <a:t>개의 단어</a:t>
-            </a:r>
+              <a:rPr lang="ko-KR" altLang="en-US" dirty="0"/>
+              <a:t>개의 그림 단어 카드</a:t>
+            </a:r>
+            <a:endParaRPr lang="en-US" altLang="ko-KR" dirty="0"/>
+          </a:p>
+          <a:p>
             <a:endParaRPr lang="ko-KR" altLang="en-US" dirty="0"/>
           </a:p>
         </p:txBody>
